--- a/Patron_100mm_y.pptx
+++ b/Patron_100mm_y.pptx
@@ -31,6 +31,9 @@
     <p:sldId id="279" r:id="rId30"/>
     <p:sldId id="280" r:id="rId31"/>
     <p:sldId id="281" r:id="rId32"/>
+    <p:sldId id="282" r:id="rId33"/>
+    <p:sldId id="283" r:id="rId34"/>
+    <p:sldId id="284" r:id="rId35"/>
   </p:sldIdLst>
   <p:sldSz cx="9144000" cy="6858000" type="screen4x3"/>
   <p:notesSz cx="6858000" cy="9144000"/>
@@ -3129,7 +3132,7 @@
         </p:blipFill>
         <p:spPr>
           <a:xfrm>
-            <a:off x="-1417320" y="-4480560"/>
+            <a:off x="-1417320" y="-4572000"/>
             <a:ext cx="11612880" cy="11612880"/>
           </a:xfrm>
           <a:prstGeom prst="rect">
@@ -3171,7 +3174,7 @@
         </p:blipFill>
         <p:spPr>
           <a:xfrm>
-            <a:off x="-1417320" y="-4480560"/>
+            <a:off x="-1417320" y="-4572000"/>
             <a:ext cx="11612880" cy="11612880"/>
           </a:xfrm>
           <a:prstGeom prst="rect">
@@ -3213,7 +3216,7 @@
         </p:blipFill>
         <p:spPr>
           <a:xfrm>
-            <a:off x="-1417320" y="-4480560"/>
+            <a:off x="-1417320" y="-4572000"/>
             <a:ext cx="11612880" cy="11612880"/>
           </a:xfrm>
           <a:prstGeom prst="rect">
@@ -3255,7 +3258,7 @@
         </p:blipFill>
         <p:spPr>
           <a:xfrm>
-            <a:off x="-1417320" y="-4480560"/>
+            <a:off x="-1417320" y="-4572000"/>
             <a:ext cx="11612880" cy="11612880"/>
           </a:xfrm>
           <a:prstGeom prst="rect">
@@ -3297,7 +3300,7 @@
         </p:blipFill>
         <p:spPr>
           <a:xfrm>
-            <a:off x="-1417320" y="-4480560"/>
+            <a:off x="-1417320" y="-4572000"/>
             <a:ext cx="11612880" cy="11612880"/>
           </a:xfrm>
           <a:prstGeom prst="rect">
@@ -3339,7 +3342,7 @@
         </p:blipFill>
         <p:spPr>
           <a:xfrm>
-            <a:off x="-1417320" y="-4480560"/>
+            <a:off x="-1417320" y="-4572000"/>
             <a:ext cx="11612880" cy="11612880"/>
           </a:xfrm>
           <a:prstGeom prst="rect">
@@ -3381,7 +3384,7 @@
         </p:blipFill>
         <p:spPr>
           <a:xfrm>
-            <a:off x="-1417320" y="-4480560"/>
+            <a:off x="-1417320" y="-4572000"/>
             <a:ext cx="11612880" cy="11612880"/>
           </a:xfrm>
           <a:prstGeom prst="rect">
@@ -3423,7 +3426,7 @@
         </p:blipFill>
         <p:spPr>
           <a:xfrm>
-            <a:off x="-1417320" y="-4480560"/>
+            <a:off x="-1417320" y="-4572000"/>
             <a:ext cx="11612880" cy="11612880"/>
           </a:xfrm>
           <a:prstGeom prst="rect">
@@ -3465,7 +3468,7 @@
         </p:blipFill>
         <p:spPr>
           <a:xfrm>
-            <a:off x="-1417320" y="-4480560"/>
+            <a:off x="-1417320" y="-4572000"/>
             <a:ext cx="11612880" cy="11612880"/>
           </a:xfrm>
           <a:prstGeom prst="rect">
@@ -3507,7 +3510,7 @@
         </p:blipFill>
         <p:spPr>
           <a:xfrm>
-            <a:off x="-1417320" y="-4480560"/>
+            <a:off x="-1417320" y="-4572000"/>
             <a:ext cx="11612880" cy="11612880"/>
           </a:xfrm>
           <a:prstGeom prst="rect">
@@ -3549,7 +3552,7 @@
         </p:blipFill>
         <p:spPr>
           <a:xfrm>
-            <a:off x="-1417320" y="-4480560"/>
+            <a:off x="-1417320" y="-4572000"/>
             <a:ext cx="11612880" cy="11612880"/>
           </a:xfrm>
           <a:prstGeom prst="rect">
@@ -3591,7 +3594,7 @@
         </p:blipFill>
         <p:spPr>
           <a:xfrm>
-            <a:off x="-1417320" y="-4480560"/>
+            <a:off x="-1417320" y="-4572000"/>
             <a:ext cx="11612880" cy="11612880"/>
           </a:xfrm>
           <a:prstGeom prst="rect">
@@ -3633,7 +3636,7 @@
         </p:blipFill>
         <p:spPr>
           <a:xfrm>
-            <a:off x="-1417320" y="-4480560"/>
+            <a:off x="-1417320" y="-4572000"/>
             <a:ext cx="11612880" cy="11612880"/>
           </a:xfrm>
           <a:prstGeom prst="rect">
@@ -3675,7 +3678,7 @@
         </p:blipFill>
         <p:spPr>
           <a:xfrm>
-            <a:off x="-1417320" y="-4480560"/>
+            <a:off x="-1417320" y="-4572000"/>
             <a:ext cx="11612880" cy="11612880"/>
           </a:xfrm>
           <a:prstGeom prst="rect">
@@ -3717,7 +3720,7 @@
         </p:blipFill>
         <p:spPr>
           <a:xfrm>
-            <a:off x="-1417320" y="-4480560"/>
+            <a:off x="-1417320" y="-4572000"/>
             <a:ext cx="11612880" cy="11612880"/>
           </a:xfrm>
           <a:prstGeom prst="rect">
@@ -3759,7 +3762,7 @@
         </p:blipFill>
         <p:spPr>
           <a:xfrm>
-            <a:off x="-1417320" y="-4480560"/>
+            <a:off x="-1417320" y="-4572000"/>
             <a:ext cx="11612880" cy="11612880"/>
           </a:xfrm>
           <a:prstGeom prst="rect">
@@ -3801,7 +3804,7 @@
         </p:blipFill>
         <p:spPr>
           <a:xfrm>
-            <a:off x="-1417320" y="-4480560"/>
+            <a:off x="-1417320" y="-4572000"/>
             <a:ext cx="11612880" cy="11612880"/>
           </a:xfrm>
           <a:prstGeom prst="rect">
@@ -3843,7 +3846,7 @@
         </p:blipFill>
         <p:spPr>
           <a:xfrm>
-            <a:off x="-1417320" y="-4480560"/>
+            <a:off x="-1417320" y="-4572000"/>
             <a:ext cx="11612880" cy="11612880"/>
           </a:xfrm>
           <a:prstGeom prst="rect">
@@ -3885,7 +3888,133 @@
         </p:blipFill>
         <p:spPr>
           <a:xfrm>
-            <a:off x="-1417320" y="-4480560"/>
+            <a:off x="-1417320" y="-4572000"/>
+            <a:ext cx="11612880" cy="11612880"/>
+          </a:xfrm>
+          <a:prstGeom prst="rect">
+            <a:avLst/>
+          </a:prstGeom>
+        </p:spPr>
+      </p:pic>
+    </p:spTree>
+  </p:cSld>
+  <p:clrMapOvr>
+    <a:masterClrMapping/>
+  </p:clrMapOvr>
+</p:sld>
+</file>
+
+<file path=ppt/slides/slide27.xml><?xml version="1.0" encoding="utf-8"?>
+<p:sld xmlns:a="http://schemas.openxmlformats.org/drawingml/2006/main" xmlns:p="http://schemas.openxmlformats.org/presentationml/2006/main" xmlns:r="http://schemas.openxmlformats.org/officeDocument/2006/relationships">
+  <p:cSld>
+    <p:spTree>
+      <p:nvGrpSpPr>
+        <p:cNvPr id="1" name=""/>
+        <p:cNvGrpSpPr/>
+        <p:nvPr/>
+      </p:nvGrpSpPr>
+      <p:grpSpPr/>
+      <p:pic>
+        <p:nvPicPr>
+          <p:cNvPr id="2" name="Picture 1" descr="Layers.png"/>
+          <p:cNvPicPr>
+            <a:picLocks noChangeAspect="1"/>
+          </p:cNvPicPr>
+          <p:nvPr/>
+        </p:nvPicPr>
+        <p:blipFill>
+          <a:blip r:embed="rId2"/>
+          <a:stretch>
+            <a:fillRect/>
+          </a:stretch>
+        </p:blipFill>
+        <p:spPr>
+          <a:xfrm>
+            <a:off x="-1417320" y="-4572000"/>
+            <a:ext cx="11612880" cy="11612880"/>
+          </a:xfrm>
+          <a:prstGeom prst="rect">
+            <a:avLst/>
+          </a:prstGeom>
+        </p:spPr>
+      </p:pic>
+    </p:spTree>
+  </p:cSld>
+  <p:clrMapOvr>
+    <a:masterClrMapping/>
+  </p:clrMapOvr>
+</p:sld>
+</file>
+
+<file path=ppt/slides/slide28.xml><?xml version="1.0" encoding="utf-8"?>
+<p:sld xmlns:a="http://schemas.openxmlformats.org/drawingml/2006/main" xmlns:p="http://schemas.openxmlformats.org/presentationml/2006/main" xmlns:r="http://schemas.openxmlformats.org/officeDocument/2006/relationships">
+  <p:cSld>
+    <p:spTree>
+      <p:nvGrpSpPr>
+        <p:cNvPr id="1" name=""/>
+        <p:cNvGrpSpPr/>
+        <p:nvPr/>
+      </p:nvGrpSpPr>
+      <p:grpSpPr/>
+      <p:pic>
+        <p:nvPicPr>
+          <p:cNvPr id="2" name="Picture 1" descr="Layers.png"/>
+          <p:cNvPicPr>
+            <a:picLocks noChangeAspect="1"/>
+          </p:cNvPicPr>
+          <p:nvPr/>
+        </p:nvPicPr>
+        <p:blipFill>
+          <a:blip r:embed="rId2"/>
+          <a:stretch>
+            <a:fillRect/>
+          </a:stretch>
+        </p:blipFill>
+        <p:spPr>
+          <a:xfrm>
+            <a:off x="-1417320" y="-4572000"/>
+            <a:ext cx="11612880" cy="11612880"/>
+          </a:xfrm>
+          <a:prstGeom prst="rect">
+            <a:avLst/>
+          </a:prstGeom>
+        </p:spPr>
+      </p:pic>
+    </p:spTree>
+  </p:cSld>
+  <p:clrMapOvr>
+    <a:masterClrMapping/>
+  </p:clrMapOvr>
+</p:sld>
+</file>
+
+<file path=ppt/slides/slide29.xml><?xml version="1.0" encoding="utf-8"?>
+<p:sld xmlns:a="http://schemas.openxmlformats.org/drawingml/2006/main" xmlns:p="http://schemas.openxmlformats.org/presentationml/2006/main" xmlns:r="http://schemas.openxmlformats.org/officeDocument/2006/relationships">
+  <p:cSld>
+    <p:spTree>
+      <p:nvGrpSpPr>
+        <p:cNvPr id="1" name=""/>
+        <p:cNvGrpSpPr/>
+        <p:nvPr/>
+      </p:nvGrpSpPr>
+      <p:grpSpPr/>
+      <p:pic>
+        <p:nvPicPr>
+          <p:cNvPr id="2" name="Picture 1" descr="Layers.png"/>
+          <p:cNvPicPr>
+            <a:picLocks noChangeAspect="1"/>
+          </p:cNvPicPr>
+          <p:nvPr/>
+        </p:nvPicPr>
+        <p:blipFill>
+          <a:blip r:embed="rId2"/>
+          <a:stretch>
+            <a:fillRect/>
+          </a:stretch>
+        </p:blipFill>
+        <p:spPr>
+          <a:xfrm>
+            <a:off x="-1417320" y="-4572000"/>
             <a:ext cx="11612880" cy="11612880"/>
           </a:xfrm>
           <a:prstGeom prst="rect">
@@ -3927,7 +4056,7 @@
         </p:blipFill>
         <p:spPr>
           <a:xfrm>
-            <a:off x="-1417320" y="-4480560"/>
+            <a:off x="-1417320" y="-4572000"/>
             <a:ext cx="11612880" cy="11612880"/>
           </a:xfrm>
           <a:prstGeom prst="rect">
@@ -3969,7 +4098,7 @@
         </p:blipFill>
         <p:spPr>
           <a:xfrm>
-            <a:off x="-1417320" y="-4480560"/>
+            <a:off x="-1417320" y="-4572000"/>
             <a:ext cx="11612880" cy="11612880"/>
           </a:xfrm>
           <a:prstGeom prst="rect">
@@ -4011,7 +4140,7 @@
         </p:blipFill>
         <p:spPr>
           <a:xfrm>
-            <a:off x="-1417320" y="-4480560"/>
+            <a:off x="-1417320" y="-4572000"/>
             <a:ext cx="11612880" cy="11612880"/>
           </a:xfrm>
           <a:prstGeom prst="rect">
@@ -4053,7 +4182,7 @@
         </p:blipFill>
         <p:spPr>
           <a:xfrm>
-            <a:off x="-1417320" y="-4480560"/>
+            <a:off x="-1417320" y="-4572000"/>
             <a:ext cx="11612880" cy="11612880"/>
           </a:xfrm>
           <a:prstGeom prst="rect">
@@ -4095,7 +4224,7 @@
         </p:blipFill>
         <p:spPr>
           <a:xfrm>
-            <a:off x="-1417320" y="-4480560"/>
+            <a:off x="-1417320" y="-4572000"/>
             <a:ext cx="11612880" cy="11612880"/>
           </a:xfrm>
           <a:prstGeom prst="rect">
@@ -4137,7 +4266,7 @@
         </p:blipFill>
         <p:spPr>
           <a:xfrm>
-            <a:off x="-1417320" y="-4480560"/>
+            <a:off x="-1417320" y="-4572000"/>
             <a:ext cx="11612880" cy="11612880"/>
           </a:xfrm>
           <a:prstGeom prst="rect">
@@ -4179,7 +4308,7 @@
         </p:blipFill>
         <p:spPr>
           <a:xfrm>
-            <a:off x="-1417320" y="-4480560"/>
+            <a:off x="-1417320" y="-4572000"/>
             <a:ext cx="11612880" cy="11612880"/>
           </a:xfrm>
           <a:prstGeom prst="rect">
